--- a/data/templates/traditional/dove-paper.pptx
+++ b/data/templates/traditional/dove-paper.pptx
@@ -191,7 +191,7 @@
         <p:spPr>
           <a:xfrm>
             <a:off x="501162" y="926020"/>
-            <a:ext cx="8757138" cy="5659418"/>
+            <a:ext cx="8097716" cy="5659418"/>
           </a:xfrm>
         </p:spPr>
         <p:txBody>
@@ -1064,7 +1064,7 @@
             <a:fld id="{48A87A34-81AB-432B-8DAE-1953F412C126}" type="datetimeFigureOut">
               <a:rPr lang="en-US" smtClean="0"/>
               <a:pPr/>
-              <a:t>9/4/2016</a:t>
+              <a:t>10/23/2018</a:t>
             </a:fld>
             <a:endParaRPr lang="en-US" dirty="0"/>
           </a:p>
